--- a/review_theory.pptx
+++ b/review_theory.pptx
@@ -5,16 +5,18 @@
     <p:sldMasterId id="2147483648" r:id="rId1"/>
   </p:sldMasterIdLst>
   <p:sldIdLst>
-    <p:sldId id="257" r:id="rId3"/>
-    <p:sldId id="259" r:id="rId4"/>
-    <p:sldId id="261" r:id="rId5"/>
-    <p:sldId id="260" r:id="rId6"/>
-    <p:sldId id="262" r:id="rId7"/>
-    <p:sldId id="263" r:id="rId8"/>
-    <p:sldId id="264" r:id="rId9"/>
-    <p:sldId id="265" r:id="rId10"/>
-    <p:sldId id="258" r:id="rId11"/>
-    <p:sldId id="256" r:id="rId12"/>
+    <p:sldId id="266" r:id="rId3"/>
+    <p:sldId id="257" r:id="rId4"/>
+    <p:sldId id="259" r:id="rId5"/>
+    <p:sldId id="261" r:id="rId6"/>
+    <p:sldId id="260" r:id="rId7"/>
+    <p:sldId id="262" r:id="rId8"/>
+    <p:sldId id="263" r:id="rId9"/>
+    <p:sldId id="264" r:id="rId10"/>
+    <p:sldId id="265" r:id="rId11"/>
+    <p:sldId id="258" r:id="rId12"/>
+    <p:sldId id="267" r:id="rId13"/>
+    <p:sldId id="256" r:id="rId14"/>
   </p:sldIdLst>
   <p:sldSz cx="9903460" cy="6858000" type="A4"/>
   <p:notesSz cx="7103745" cy="10234295"/>
@@ -2638,14 +2640,14 @@
       <p:grpSpPr/>
       <p:sp>
         <p:nvSpPr>
-          <p:cNvPr id="4" name="Text Box 3"/>
+          <p:cNvPr id="5" name="Text Box 4"/>
           <p:cNvSpPr txBox="1"/>
           <p:nvPr/>
         </p:nvSpPr>
         <p:spPr>
           <a:xfrm>
-            <a:off x="523240" y="176530"/>
-            <a:ext cx="3660140" cy="521970"/>
+            <a:off x="626745" y="540385"/>
+            <a:ext cx="8636000" cy="1198880"/>
           </a:xfrm>
           <a:prstGeom prst="rect">
             <a:avLst/>
@@ -2653,27 +2655,28 @@
           <a:noFill/>
         </p:spPr>
         <p:txBody>
-          <a:bodyPr wrap="none" rtlCol="0">
+          <a:bodyPr wrap="square" rtlCol="0">
             <a:spAutoFit/>
           </a:bodyPr>
           <a:p>
-            <a:r>
-              <a:rPr lang="en-US" sz="2800" b="1"/>
-              <a:t>Large Seismic Networks</a:t>
-            </a:r>
-            <a:endParaRPr lang="en-US" sz="2800" b="1"/>
-          </a:p>
-        </p:txBody>
-      </p:sp>
-      <p:sp>
-        <p:nvSpPr>
-          <p:cNvPr id="5" name="Text Box 4"/>
+            <a:pPr algn="l"/>
+            <a:r>
+              <a:rPr lang="en-US" sz="3600" b="1"/>
+              <a:t>Seismic Wavefield Reconstruction in the Presence of 6C Observations</a:t>
+            </a:r>
+            <a:endParaRPr lang="en-US" sz="3600" b="1"/>
+          </a:p>
+        </p:txBody>
+      </p:sp>
+      <p:sp>
+        <p:nvSpPr>
+          <p:cNvPr id="6" name="Text Box 5"/>
           <p:cNvSpPr txBox="1"/>
           <p:nvPr/>
         </p:nvSpPr>
         <p:spPr>
           <a:xfrm>
-            <a:off x="621665" y="908685"/>
+            <a:off x="621665" y="1784985"/>
             <a:ext cx="8646160" cy="922020"/>
           </a:xfrm>
           <a:prstGeom prst="rect">
@@ -2686,161 +2689,33 @@
             <a:spAutoFit/>
           </a:bodyPr>
           <a:p>
-            <a:pPr marL="285750" indent="-285750">
-              <a:buFont typeface="Arial" panose="020B0604020202020204" pitchFamily="34" charset="0"/>
-              <a:buChar char="•"/>
+            <a:pPr indent="0">
+              <a:buFont typeface="Arial" panose="020B0604020202020204" pitchFamily="34" charset="0"/>
+              <a:buNone/>
             </a:pPr>
             <a:r>
               <a:rPr lang="en-US"/>
-              <a:t>USArray (</a:t>
-            </a:r>
-            <a:r>
-              <a:rPr lang="en-US">
-                <a:hlinkClick r:id="rId1" tooltip=""/>
-              </a:rPr>
-              <a:t>http://www.usarray.org/</a:t>
-            </a:r>
+              <a:t>Taufiqurrahman</a:t>
+            </a:r>
+            <a:endParaRPr lang="en-US"/>
+          </a:p>
+          <a:p>
+            <a:pPr indent="0">
+              <a:buFont typeface="Arial" panose="020B0604020202020204" pitchFamily="34" charset="0"/>
+              <a:buNone/>
+            </a:pPr>
+            <a:endParaRPr lang="en-US"/>
+          </a:p>
+          <a:p>
+            <a:pPr indent="0">
+              <a:buFont typeface="Arial" panose="020B0604020202020204" pitchFamily="34" charset="0"/>
+              <a:buNone/>
+            </a:pPr>
             <a:r>
               <a:rPr lang="en-US"/>
-              <a:t>)</a:t>
-            </a:r>
-            <a:endParaRPr lang="en-US"/>
-          </a:p>
-          <a:p>
-            <a:pPr marL="285750" indent="-285750">
-              <a:buFont typeface="Arial" panose="020B0604020202020204" pitchFamily="34" charset="0"/>
-              <a:buChar char="•"/>
-            </a:pPr>
-            <a:r>
-              <a:rPr lang="en-US"/>
-              <a:t>Hi-net (</a:t>
-            </a:r>
-            <a:r>
-              <a:rPr lang="en-US">
-                <a:hlinkClick r:id="rId2" tooltip=""/>
-              </a:rPr>
-              <a:t>http://www.hinet.bosai.go.jp/</a:t>
-            </a:r>
-            <a:r>
-              <a:rPr lang="en-US"/>
-              <a:t>), one of the densest, distance ~20 km between receivers (</a:t>
-            </a:r>
-            <a:r>
-              <a:rPr lang="en-US" i="1"/>
-              <a:t>Okada et. al., 2004</a:t>
-            </a:r>
-            <a:r>
-              <a:rPr lang="en-US"/>
-              <a:t>)</a:t>
-            </a:r>
-            <a:endParaRPr lang="en-US"/>
-          </a:p>
-        </p:txBody>
-      </p:sp>
-      <p:pic>
-        <p:nvPicPr>
-          <p:cNvPr id="6" name="Picture 5"/>
-          <p:cNvPicPr>
-            <a:picLocks noChangeAspect="1"/>
-          </p:cNvPicPr>
-          <p:nvPr/>
-        </p:nvPicPr>
-        <p:blipFill>
-          <a:blip r:embed="rId3"/>
-          <a:stretch>
-            <a:fillRect/>
-          </a:stretch>
-        </p:blipFill>
-        <p:spPr>
-          <a:xfrm>
-            <a:off x="5024120" y="2088515"/>
-            <a:ext cx="4782185" cy="2349500"/>
-          </a:xfrm>
-          <a:prstGeom prst="rect">
-            <a:avLst/>
-          </a:prstGeom>
-        </p:spPr>
-      </p:pic>
-      <p:pic>
-        <p:nvPicPr>
-          <p:cNvPr id="8" name="Picture 7"/>
-          <p:cNvPicPr>
-            <a:picLocks noChangeAspect="1"/>
-          </p:cNvPicPr>
-          <p:nvPr/>
-        </p:nvPicPr>
-        <p:blipFill>
-          <a:blip r:embed="rId4"/>
-          <a:stretch>
-            <a:fillRect/>
-          </a:stretch>
-        </p:blipFill>
-        <p:spPr>
-          <a:xfrm>
-            <a:off x="416560" y="1828165"/>
-            <a:ext cx="4542790" cy="3771265"/>
-          </a:xfrm>
-          <a:prstGeom prst="rect">
-            <a:avLst/>
-          </a:prstGeom>
-        </p:spPr>
-      </p:pic>
-      <p:sp>
-        <p:nvSpPr>
-          <p:cNvPr id="9" name="Text Box 8"/>
-          <p:cNvSpPr txBox="1"/>
-          <p:nvPr/>
-        </p:nvSpPr>
-        <p:spPr>
-          <a:xfrm>
-            <a:off x="2869565" y="5614670"/>
-            <a:ext cx="2054225" cy="275590"/>
-          </a:xfrm>
-          <a:prstGeom prst="rect">
-            <a:avLst/>
-          </a:prstGeom>
-          <a:noFill/>
-        </p:spPr>
-        <p:txBody>
-          <a:bodyPr wrap="none" rtlCol="0">
-            <a:spAutoFit/>
-          </a:bodyPr>
-          <a:p>
-            <a:r>
-              <a:rPr lang="en-US" sz="1200" i="1"/>
-              <a:t>courtesy: http://www.iris.edu/</a:t>
-            </a:r>
-            <a:endParaRPr lang="en-US" sz="1200" i="1"/>
-          </a:p>
-        </p:txBody>
-      </p:sp>
-      <p:sp>
-        <p:nvSpPr>
-          <p:cNvPr id="10" name="Text Box 9"/>
-          <p:cNvSpPr txBox="1"/>
-          <p:nvPr/>
-        </p:nvSpPr>
-        <p:spPr>
-          <a:xfrm>
-            <a:off x="6998335" y="4434840"/>
-            <a:ext cx="2633980" cy="275590"/>
-          </a:xfrm>
-          <a:prstGeom prst="rect">
-            <a:avLst/>
-          </a:prstGeom>
-          <a:noFill/>
-        </p:spPr>
-        <p:txBody>
-          <a:bodyPr wrap="none" rtlCol="0">
-            <a:spAutoFit/>
-          </a:bodyPr>
-          <a:p>
-            <a:pPr algn="l"/>
-            <a:r>
-              <a:rPr lang="en-US" sz="1200" i="1"/>
-              <a:t>courtesy: http://www.hinet.bosai.go.jp/</a:t>
-            </a:r>
-            <a:endParaRPr lang="en-US" sz="1200" i="1"/>
+              <a:t>Seismology Group Meeting, 6 February 2018 </a:t>
+            </a:r>
+            <a:endParaRPr lang="en-US"/>
           </a:p>
         </p:txBody>
       </p:sp>
@@ -2871,7 +2746,7 @@
         <p:spPr>
           <a:xfrm>
             <a:off x="523240" y="176530"/>
-            <a:ext cx="1799590" cy="521970"/>
+            <a:ext cx="5916295" cy="521970"/>
           </a:xfrm>
           <a:prstGeom prst="rect">
             <a:avLst/>
@@ -2885,7 +2760,7 @@
           <a:p>
             <a:r>
               <a:rPr lang="en-US" sz="2800" b="1"/>
-              <a:t>References</a:t>
+              <a:t>SG Notebook Project for Winter School</a:t>
             </a:r>
             <a:endParaRPr lang="en-US" sz="2800" b="1"/>
           </a:p>
@@ -2900,7 +2775,7 @@
         <p:spPr>
           <a:xfrm>
             <a:off x="621665" y="908685"/>
-            <a:ext cx="8646160" cy="3969385"/>
+            <a:ext cx="8646160" cy="4523105"/>
           </a:xfrm>
           <a:prstGeom prst="rect">
             <a:avLst/>
@@ -2918,15 +2793,18 @@
             </a:pPr>
             <a:r>
               <a:rPr lang="en-US"/>
-              <a:t>Davis, B. (2011). </a:t>
-            </a:r>
-            <a:r>
-              <a:rPr lang="en-US" i="1"/>
-              <a:t>The Basic Theory of Wave Gradiometry</a:t>
-            </a:r>
+              <a:t>Simple 2D horizontal space (x,y,t)</a:t>
+            </a:r>
+            <a:endParaRPr lang="en-US"/>
+          </a:p>
+          <a:p>
+            <a:pPr marL="285750" indent="-285750">
+              <a:buFont typeface="Arial" panose="020B0604020202020204" pitchFamily="34" charset="0"/>
+              <a:buChar char="•"/>
+            </a:pPr>
             <a:r>
               <a:rPr lang="en-US"/>
-              <a:t>. GEOP 523D.</a:t>
+              <a:t>Rock properties (phase velocities)</a:t>
             </a:r>
             <a:endParaRPr lang="en-US"/>
           </a:p>
@@ -2937,26 +2815,321 @@
             </a:pPr>
             <a:r>
               <a:rPr lang="en-US"/>
+              <a:t>SG analytical solution</a:t>
+            </a:r>
+            <a:endParaRPr lang="en-US"/>
+          </a:p>
+          <a:p>
+            <a:pPr marL="285750" indent="-285750">
+              <a:buFont typeface="Arial" panose="020B0604020202020204" pitchFamily="34" charset="0"/>
+              <a:buChar char="•"/>
+            </a:pPr>
+            <a:r>
+              <a:rPr lang="en-US"/>
+              <a:t>FDM + PML (or SALVUS?)</a:t>
+            </a:r>
+            <a:endParaRPr lang="en-US"/>
+          </a:p>
+          <a:p>
+            <a:pPr marL="285750" indent="-285750">
+              <a:buFont typeface="Arial" panose="020B0604020202020204" pitchFamily="34" charset="0"/>
+              <a:buChar char="•"/>
+            </a:pPr>
+            <a:r>
+              <a:rPr lang="en-US"/>
+              <a:t>Point source or moment tensor (simulate an earthquake, P-SV or SH, Rayleigh wave), f = 10-15 Hz</a:t>
+            </a:r>
+            <a:endParaRPr lang="en-US"/>
+          </a:p>
+          <a:p>
+            <a:pPr marL="285750" indent="-285750">
+              <a:buFont typeface="Arial" panose="020B0604020202020204" pitchFamily="34" charset="0"/>
+              <a:buChar char="•"/>
+            </a:pPr>
+            <a:r>
+              <a:rPr lang="en-US"/>
+              <a:t>3C and 6C, around 20-50 receivers, random spreading with </a:t>
+            </a:r>
+            <a:r>
+              <a:rPr lang="en-US">
+                <a:sym typeface="+mn-ea"/>
+              </a:rPr>
+              <a:t>distance ~</a:t>
+            </a:r>
+            <a:r>
+              <a:rPr lang="en-US"/>
+              <a:t>20-30 m</a:t>
+            </a:r>
+            <a:endParaRPr lang="en-US"/>
+          </a:p>
+          <a:p>
+            <a:pPr marL="285750" indent="-285750">
+              <a:buFont typeface="Arial" panose="020B0604020202020204" pitchFamily="34" charset="0"/>
+              <a:buChar char="•"/>
+            </a:pPr>
+            <a:r>
+              <a:rPr lang="en-US"/>
+              <a:t>Using 6C we directly observe spatial gradients field (skip the displacement interpolation as used in Liu &amp; Holt (2015) part 2.2) so that can also solved the SG parameters estimation (A- and B-coefficients part 2.3)</a:t>
+            </a:r>
+            <a:endParaRPr lang="en-US"/>
+          </a:p>
+          <a:p>
+            <a:pPr marL="285750" indent="-285750">
+              <a:buFont typeface="Arial" panose="020B0604020202020204" pitchFamily="34" charset="0"/>
+              <a:buChar char="•"/>
+            </a:pPr>
+            <a:r>
+              <a:rPr lang="en-US"/>
+              <a:t>Solving for structural parameters (see part 2.4 of Liu &amp; Holt, 2015), link to the Helmholtz equation</a:t>
+            </a:r>
+            <a:endParaRPr lang="en-US"/>
+          </a:p>
+          <a:p>
+            <a:pPr marL="285750" indent="-285750">
+              <a:buFont typeface="Arial" panose="020B0604020202020204" pitchFamily="34" charset="0"/>
+              <a:buChar char="•"/>
+            </a:pPr>
+            <a:r>
+              <a:rPr lang="en-US">
+                <a:sym typeface="+mn-ea"/>
+              </a:rPr>
+              <a:t>Compare observed from numerical solution (FDM + PML) with seismic gradiometry (SG) solution</a:t>
+            </a:r>
+            <a:endParaRPr lang="en-US">
+              <a:sym typeface="+mn-ea"/>
+            </a:endParaRPr>
+          </a:p>
+          <a:p>
+            <a:pPr marL="285750" indent="-285750">
+              <a:buFont typeface="Arial" panose="020B0604020202020204" pitchFamily="34" charset="0"/>
+              <a:buChar char="•"/>
+            </a:pPr>
+            <a:r>
+              <a:rPr lang="en-US">
+                <a:sym typeface="+mn-ea"/>
+              </a:rPr>
+              <a:t>Compare estimated slowness/phase velocities with the real value</a:t>
+            </a:r>
+            <a:endParaRPr lang="en-US">
+              <a:sym typeface="+mn-ea"/>
+            </a:endParaRPr>
+          </a:p>
+          <a:p>
+            <a:pPr marL="285750" indent="-285750">
+              <a:buFont typeface="Arial" panose="020B0604020202020204" pitchFamily="34" charset="0"/>
+              <a:buChar char="•"/>
+            </a:pPr>
+            <a:endParaRPr lang="en-US"/>
+          </a:p>
+        </p:txBody>
+      </p:sp>
+    </p:spTree>
+  </p:cSld>
+  <p:clrMapOvr>
+    <a:masterClrMapping/>
+  </p:clrMapOvr>
+</p:sld>
+</file>
+
+<file path=ppt/slides/slide11.xml><?xml version="1.0" encoding="utf-8"?>
+<p:sld xmlns:a="http://schemas.openxmlformats.org/drawingml/2006/main" xmlns:r="http://schemas.openxmlformats.org/officeDocument/2006/relationships" xmlns:p="http://schemas.openxmlformats.org/presentationml/2006/main">
+  <p:cSld>
+    <p:spTree>
+      <p:nvGrpSpPr>
+        <p:cNvPr id="1" name=""/>
+        <p:cNvGrpSpPr/>
+        <p:nvPr/>
+      </p:nvGrpSpPr>
+      <p:grpSpPr/>
+      <p:sp>
+        <p:nvSpPr>
+          <p:cNvPr id="4" name="Text Box 3"/>
+          <p:cNvSpPr txBox="1"/>
+          <p:nvPr/>
+        </p:nvSpPr>
+        <p:spPr>
+          <a:xfrm>
+            <a:off x="523240" y="176530"/>
+            <a:ext cx="1241425" cy="521970"/>
+          </a:xfrm>
+          <a:prstGeom prst="rect">
+            <a:avLst/>
+          </a:prstGeom>
+          <a:noFill/>
+        </p:spPr>
+        <p:txBody>
+          <a:bodyPr wrap="none" rtlCol="0">
+            <a:spAutoFit/>
+          </a:bodyPr>
+          <a:p>
+            <a:r>
+              <a:rPr lang="en-US" sz="2800" b="1"/>
+              <a:t>Results</a:t>
+            </a:r>
+            <a:endParaRPr lang="en-US" sz="2800" b="1"/>
+          </a:p>
+        </p:txBody>
+      </p:sp>
+      <p:sp>
+        <p:nvSpPr>
+          <p:cNvPr id="5" name="Text Box 4"/>
+          <p:cNvSpPr txBox="1"/>
+          <p:nvPr/>
+        </p:nvSpPr>
+        <p:spPr>
+          <a:xfrm>
+            <a:off x="621665" y="908685"/>
+            <a:ext cx="8646160" cy="368300"/>
+          </a:xfrm>
+          <a:prstGeom prst="rect">
+            <a:avLst/>
+          </a:prstGeom>
+          <a:noFill/>
+        </p:spPr>
+        <p:txBody>
+          <a:bodyPr wrap="square" rtlCol="0">
+            <a:spAutoFit/>
+          </a:bodyPr>
+          <a:p>
+            <a:pPr marL="285750" indent="-285750">
+              <a:buFont typeface="Arial" panose="020B0604020202020204" pitchFamily="34" charset="0"/>
+              <a:buChar char="•"/>
+            </a:pPr>
+            <a:r>
+              <a:rPr lang="en-US"/>
+              <a:t>Feasibility test with numerical solution (see Maeda, 2016 part Results)</a:t>
+            </a:r>
+            <a:endParaRPr lang="en-US"/>
+          </a:p>
+        </p:txBody>
+      </p:sp>
+    </p:spTree>
+  </p:cSld>
+  <p:clrMapOvr>
+    <a:masterClrMapping/>
+  </p:clrMapOvr>
+</p:sld>
+</file>
+
+<file path=ppt/slides/slide12.xml><?xml version="1.0" encoding="utf-8"?>
+<p:sld xmlns:a="http://schemas.openxmlformats.org/drawingml/2006/main" xmlns:r="http://schemas.openxmlformats.org/officeDocument/2006/relationships" xmlns:p="http://schemas.openxmlformats.org/presentationml/2006/main">
+  <p:cSld>
+    <p:spTree>
+      <p:nvGrpSpPr>
+        <p:cNvPr id="1" name=""/>
+        <p:cNvGrpSpPr/>
+        <p:nvPr/>
+      </p:nvGrpSpPr>
+      <p:grpSpPr/>
+      <p:sp>
+        <p:nvSpPr>
+          <p:cNvPr id="4" name="Text Box 3"/>
+          <p:cNvSpPr txBox="1"/>
+          <p:nvPr/>
+        </p:nvSpPr>
+        <p:spPr>
+          <a:xfrm>
+            <a:off x="523240" y="176530"/>
+            <a:ext cx="1799590" cy="521970"/>
+          </a:xfrm>
+          <a:prstGeom prst="rect">
+            <a:avLst/>
+          </a:prstGeom>
+          <a:noFill/>
+        </p:spPr>
+        <p:txBody>
+          <a:bodyPr wrap="none" rtlCol="0">
+            <a:spAutoFit/>
+          </a:bodyPr>
+          <a:p>
+            <a:r>
+              <a:rPr lang="en-US" sz="2800" b="1"/>
+              <a:t>References</a:t>
+            </a:r>
+            <a:endParaRPr lang="en-US" sz="2800" b="1"/>
+          </a:p>
+        </p:txBody>
+      </p:sp>
+      <p:sp>
+        <p:nvSpPr>
+          <p:cNvPr id="5" name="Text Box 4"/>
+          <p:cNvSpPr txBox="1"/>
+          <p:nvPr/>
+        </p:nvSpPr>
+        <p:spPr>
+          <a:xfrm>
+            <a:off x="621665" y="908685"/>
+            <a:ext cx="8646160" cy="3138170"/>
+          </a:xfrm>
+          <a:prstGeom prst="rect">
+            <a:avLst/>
+          </a:prstGeom>
+          <a:noFill/>
+        </p:spPr>
+        <p:txBody>
+          <a:bodyPr wrap="square" rtlCol="0">
+            <a:spAutoFit/>
+          </a:bodyPr>
+          <a:p>
+            <a:pPr marL="285750" indent="-285750">
+              <a:buFont typeface="Arial" panose="020B0604020202020204" pitchFamily="34" charset="0"/>
+              <a:buChar char="•"/>
+            </a:pPr>
+            <a:r>
+              <a:rPr lang="en-US">
+                <a:sym typeface="+mn-ea"/>
+              </a:rPr>
               <a:t>Igel, H., Schreiber, U., Flaws, A., Schuberth, B., Velikoseltsev, A., Cochard, A. (2005). </a:t>
             </a:r>
             <a:r>
-              <a:rPr lang="en-US" i="1"/>
+              <a:rPr lang="en-US" i="1">
+                <a:sym typeface="+mn-ea"/>
+              </a:rPr>
               <a:t>Rotational motions induced by the M8.1 Tokachi-oki earthquake, September 25, 2003. </a:t>
             </a:r>
             <a:r>
+              <a:rPr lang="en-US">
+                <a:sym typeface="+mn-ea"/>
+              </a:rPr>
+              <a:t>Geophys. Res. Lett. 32(8):L08309.</a:t>
+            </a:r>
+            <a:endParaRPr lang="en-US">
+              <a:sym typeface="+mn-ea"/>
+            </a:endParaRPr>
+          </a:p>
+          <a:p>
+            <a:pPr marL="285750" indent="-285750">
+              <a:buFont typeface="Arial" panose="020B0604020202020204" pitchFamily="34" charset="0"/>
+              <a:buChar char="•"/>
+            </a:pPr>
+            <a:r>
+              <a:rPr lang="en-US">
+                <a:sym typeface="+mn-ea"/>
+              </a:rPr>
+              <a:t>Langston, C., &amp; Liang, C. (2008). </a:t>
+            </a:r>
+            <a:r>
+              <a:rPr lang="en-US" i="1">
+                <a:sym typeface="+mn-ea"/>
+              </a:rPr>
+              <a:t>Gradiometry for polarized seismic waves</a:t>
+            </a:r>
+            <a:r>
+              <a:rPr lang="en-US">
+                <a:sym typeface="+mn-ea"/>
+              </a:rPr>
+              <a:t>. Journal of Geophysical Research, vol. 113.</a:t>
+            </a:r>
+            <a:endParaRPr lang="en-US"/>
+          </a:p>
+          <a:p>
+            <a:pPr marL="285750" indent="-285750">
+              <a:buFont typeface="Arial" panose="020B0604020202020204" pitchFamily="34" charset="0"/>
+              <a:buChar char="•"/>
+            </a:pPr>
+            <a:r>
               <a:rPr lang="en-US"/>
-              <a:t>Geophys. Res. Lett. 32(8):L08309.</a:t>
-            </a:r>
-            <a:endParaRPr lang="en-US"/>
-          </a:p>
-          <a:p>
-            <a:pPr marL="285750" indent="-285750">
-              <a:buFont typeface="Arial" panose="020B0604020202020204" pitchFamily="34" charset="0"/>
-              <a:buChar char="•"/>
-            </a:pPr>
-            <a:r>
-              <a:rPr lang="en-US"/>
-              <a:t>Langston, C., &amp; Lang, C. (2009). </a:t>
+              <a:t>Liang, C., &amp; Langston, C. (2009). </a:t>
             </a:r>
             <a:r>
               <a:rPr lang="en-US" i="1"/>
@@ -2975,25 +3148,6 @@
             </a:pPr>
             <a:r>
               <a:rPr lang="en-US"/>
-              <a:t>Langston, C., &amp; Liang, C. (2008). </a:t>
-            </a:r>
-            <a:r>
-              <a:rPr lang="en-US" i="1"/>
-              <a:t>Gradiometry for polarized seismic waves</a:t>
-            </a:r>
-            <a:r>
-              <a:rPr lang="en-US"/>
-              <a:t>. Journal of Geophysical Research, vol. 113.</a:t>
-            </a:r>
-            <a:endParaRPr lang="en-US"/>
-          </a:p>
-          <a:p>
-            <a:pPr marL="285750" indent="-285750">
-              <a:buFont typeface="Arial" panose="020B0604020202020204" pitchFamily="34" charset="0"/>
-              <a:buChar char="•"/>
-            </a:pPr>
-            <a:r>
-              <a:rPr lang="en-US"/>
               <a:t>Liu, Y., &amp; Holt, W. (2015). </a:t>
             </a:r>
             <a:r>
@@ -3022,25 +3176,6 @@
             <a:r>
               <a:rPr lang="en-US"/>
               <a:t> Progress in Earth and Planetary Science.</a:t>
-            </a:r>
-            <a:endParaRPr lang="en-US"/>
-          </a:p>
-          <a:p>
-            <a:pPr marL="285750" indent="-285750">
-              <a:buFont typeface="Arial" panose="020B0604020202020204" pitchFamily="34" charset="0"/>
-              <a:buChar char="•"/>
-            </a:pPr>
-            <a:r>
-              <a:rPr lang="en-US"/>
-              <a:t>Wielandt, E. (1993). </a:t>
-            </a:r>
-            <a:r>
-              <a:rPr lang="en-US" i="1"/>
-              <a:t>Propagation and structural interpretation of non-plane waves.</a:t>
-            </a:r>
-            <a:r>
-              <a:rPr lang="en-US"/>
-              <a:t> Geophys. J. Int., 113.</a:t>
             </a:r>
             <a:endParaRPr lang="en-US"/>
           </a:p>
@@ -3073,7 +3208,7 @@
         <p:spPr>
           <a:xfrm>
             <a:off x="523240" y="176530"/>
-            <a:ext cx="5353050" cy="521970"/>
+            <a:ext cx="3660140" cy="521970"/>
           </a:xfrm>
           <a:prstGeom prst="rect">
             <a:avLst/>
@@ -3087,7 +3222,7 @@
           <a:p>
             <a:r>
               <a:rPr lang="en-US" sz="2800" b="1"/>
-              <a:t>Seismic Gradiometry - Introduction</a:t>
+              <a:t>Large Seismic Networks</a:t>
             </a:r>
             <a:endParaRPr lang="en-US" sz="2800" b="1"/>
           </a:p>
@@ -3102,7 +3237,7 @@
         <p:spPr>
           <a:xfrm>
             <a:off x="621665" y="908685"/>
-            <a:ext cx="8646160" cy="4246245"/>
+            <a:ext cx="8646160" cy="922020"/>
           </a:xfrm>
           <a:prstGeom prst="rect">
             <a:avLst/>
@@ -3120,11 +3255,17 @@
             </a:pPr>
             <a:r>
               <a:rPr lang="en-US"/>
-              <a:t>New technique for treating a large array data to reconstruct and to characterize a seismic wavefield </a:t>
+              <a:t>USArray (</a:t>
+            </a:r>
+            <a:r>
+              <a:rPr lang="en-US">
+                <a:hlinkClick r:id="rId1" tooltip=""/>
+              </a:rPr>
+              <a:t>http://www.usarray.org/</a:t>
             </a:r>
             <a:r>
               <a:rPr lang="en-US"/>
-              <a:t>observed</a:t>
+              <a:t>)</a:t>
             </a:r>
             <a:endParaRPr lang="en-US"/>
           </a:p>
@@ -3135,106 +3276,138 @@
             </a:pPr>
             <a:r>
               <a:rPr lang="en-US"/>
-              <a:t>Original concept by Langston (2007a), to measure the spatial gradient</a:t>
-            </a:r>
-            <a:r>
-              <a:rPr lang="en-US" b="1"/>
-              <a:t> </a:t>
+              <a:t>Hi-net (</a:t>
+            </a:r>
+            <a:r>
+              <a:rPr lang="en-US">
+                <a:hlinkClick r:id="rId2" tooltip=""/>
+              </a:rPr>
+              <a:t>http://www.hinet.bosai.go.jp/</a:t>
             </a:r>
             <a:r>
               <a:rPr lang="en-US"/>
-              <a:t>of seismic waves observed by dense array. He showed that slowness could be directly estimated.</a:t>
-            </a:r>
-            <a:endParaRPr lang="en-US"/>
-          </a:p>
-          <a:p>
-            <a:pPr marL="285750" indent="-285750">
-              <a:buFont typeface="Arial" panose="020B0604020202020204" pitchFamily="34" charset="0"/>
-              <a:buChar char="•"/>
-            </a:pPr>
-            <a:r>
-              <a:rPr lang="en-US">
-                <a:sym typeface="+mn-ea"/>
-              </a:rPr>
-              <a:t>Igel (2005) proposed a similar approach with rotational seismometers.</a:t>
-            </a:r>
-            <a:endParaRPr lang="en-US"/>
-          </a:p>
-          <a:p>
-            <a:pPr marL="285750" indent="-285750">
-              <a:buFont typeface="Arial" panose="020B0604020202020204" pitchFamily="34" charset="0"/>
-              <a:buChar char="•"/>
-            </a:pPr>
+              <a:t>), one of the densest, distance ~20 km between receivers (</a:t>
+            </a:r>
+            <a:r>
+              <a:rPr lang="en-US" i="1"/>
+              <a:t>Okada et. al., 2004</a:t>
+            </a:r>
             <a:r>
               <a:rPr lang="en-US"/>
-              <a:t>Langston (2007b) SG applied to 2D problem</a:t>
-            </a:r>
-            <a:endParaRPr lang="en-US"/>
-          </a:p>
-          <a:p>
-            <a:pPr marL="285750" indent="-285750">
-              <a:buFont typeface="Arial" panose="020B0604020202020204" pitchFamily="34" charset="0"/>
-              <a:buChar char="•"/>
-            </a:pPr>
-            <a:r>
-              <a:rPr lang="en-US"/>
-              <a:t>Langston (2007c) improved its stability in time domain</a:t>
-            </a:r>
-            <a:endParaRPr lang="en-US"/>
-          </a:p>
-          <a:p>
-            <a:pPr marL="285750" indent="-285750">
-              <a:buFont typeface="Arial" panose="020B0604020202020204" pitchFamily="34" charset="0"/>
-              <a:buChar char="•"/>
-            </a:pPr>
-            <a:r>
-              <a:rPr lang="en-US"/>
-              <a:t>Langston &amp; Liang (2008) SG applied to polarized waves</a:t>
-            </a:r>
-            <a:endParaRPr lang="en-US"/>
-          </a:p>
-          <a:p>
-            <a:pPr marL="285750" indent="-285750">
-              <a:buFont typeface="Arial" panose="020B0604020202020204" pitchFamily="34" charset="0"/>
-              <a:buChar char="•"/>
-            </a:pPr>
-            <a:r>
-              <a:rPr lang="en-US"/>
-              <a:t>Liang &amp; Langston (2009) estimated Rayleigh waves with grid locations collocated with seismic stations (limited to the station location)</a:t>
-            </a:r>
-            <a:endParaRPr lang="en-US"/>
-          </a:p>
-          <a:p>
-            <a:pPr marL="285750" indent="-285750">
-              <a:buFont typeface="Arial" panose="020B0604020202020204" pitchFamily="34" charset="0"/>
-              <a:buChar char="•"/>
-            </a:pPr>
-            <a:r>
-              <a:rPr lang="en-US"/>
-              <a:t>Spudich (1995) performed a similar series expansion to estimate surface strain and stress tensors recorded by dense array</a:t>
-            </a:r>
-            <a:endParaRPr lang="en-US"/>
-          </a:p>
-          <a:p>
-            <a:pPr marL="285750" indent="-285750">
-              <a:buFont typeface="Arial" panose="020B0604020202020204" pitchFamily="34" charset="0"/>
-              <a:buChar char="•"/>
-            </a:pPr>
-            <a:r>
-              <a:rPr lang="en-US"/>
-              <a:t>Maeda (2016) used SG to reconstruct the seismic wavefield as a continuous 2D field irrespective of the station location</a:t>
-            </a:r>
-            <a:endParaRPr lang="en-US"/>
-          </a:p>
-          <a:p>
-            <a:pPr marL="285750" indent="-285750">
-              <a:buFont typeface="Arial" panose="020B0604020202020204" pitchFamily="34" charset="0"/>
-              <a:buChar char="•"/>
-            </a:pPr>
-            <a:endParaRPr lang="en-US"/>
-          </a:p>
-        </p:txBody>
-      </p:sp>
+              <a:t>)</a:t>
+            </a:r>
+            <a:endParaRPr lang="en-US"/>
+          </a:p>
+        </p:txBody>
+      </p:sp>
+      <p:pic>
+        <p:nvPicPr>
+          <p:cNvPr id="6" name="Picture 5"/>
+          <p:cNvPicPr>
+            <a:picLocks noChangeAspect="1"/>
+          </p:cNvPicPr>
+          <p:nvPr/>
+        </p:nvPicPr>
+        <p:blipFill>
+          <a:blip r:embed="rId3"/>
+          <a:stretch>
+            <a:fillRect/>
+          </a:stretch>
+        </p:blipFill>
+        <p:spPr>
+          <a:xfrm>
+            <a:off x="5024120" y="2088515"/>
+            <a:ext cx="4782185" cy="2349500"/>
+          </a:xfrm>
+          <a:prstGeom prst="rect">
+            <a:avLst/>
+          </a:prstGeom>
+        </p:spPr>
+      </p:pic>
+      <p:sp>
+        <p:nvSpPr>
+          <p:cNvPr id="9" name="Text Box 8"/>
+          <p:cNvSpPr txBox="1"/>
+          <p:nvPr/>
+        </p:nvSpPr>
+        <p:spPr>
+          <a:xfrm>
+            <a:off x="2361565" y="4357370"/>
+            <a:ext cx="2310130" cy="275590"/>
+          </a:xfrm>
+          <a:prstGeom prst="rect">
+            <a:avLst/>
+          </a:prstGeom>
+          <a:noFill/>
+        </p:spPr>
+        <p:txBody>
+          <a:bodyPr wrap="none" rtlCol="0">
+            <a:spAutoFit/>
+          </a:bodyPr>
+          <a:p>
+            <a:pPr algn="l"/>
+            <a:r>
+              <a:rPr lang="en-US" sz="1200" i="1"/>
+              <a:t>courtesy: http://www.usarray.org/</a:t>
+            </a:r>
+            <a:endParaRPr lang="en-US" sz="1200" i="1"/>
+          </a:p>
+        </p:txBody>
+      </p:sp>
+      <p:sp>
+        <p:nvSpPr>
+          <p:cNvPr id="10" name="Text Box 9"/>
+          <p:cNvSpPr txBox="1"/>
+          <p:nvPr/>
+        </p:nvSpPr>
+        <p:spPr>
+          <a:xfrm>
+            <a:off x="7036435" y="4422140"/>
+            <a:ext cx="2633980" cy="275590"/>
+          </a:xfrm>
+          <a:prstGeom prst="rect">
+            <a:avLst/>
+          </a:prstGeom>
+          <a:noFill/>
+        </p:spPr>
+        <p:txBody>
+          <a:bodyPr wrap="none" rtlCol="0">
+            <a:spAutoFit/>
+          </a:bodyPr>
+          <a:p>
+            <a:pPr algn="l"/>
+            <a:r>
+              <a:rPr lang="en-US" sz="1200" i="1"/>
+              <a:t>courtesy: http://www.hinet.bosai.go.jp/</a:t>
+            </a:r>
+            <a:endParaRPr lang="en-US" sz="1200" i="1"/>
+          </a:p>
+        </p:txBody>
+      </p:sp>
+      <p:pic>
+        <p:nvPicPr>
+          <p:cNvPr id="12" name="Picture 11"/>
+          <p:cNvPicPr>
+            <a:picLocks noChangeAspect="1"/>
+          </p:cNvPicPr>
+          <p:nvPr/>
+        </p:nvPicPr>
+        <p:blipFill>
+          <a:blip r:embed="rId4"/>
+          <a:stretch>
+            <a:fillRect/>
+          </a:stretch>
+        </p:blipFill>
+        <p:spPr>
+          <a:xfrm>
+            <a:off x="330200" y="2072005"/>
+            <a:ext cx="4292105" cy="2297430"/>
+          </a:xfrm>
+          <a:prstGeom prst="rect">
+            <a:avLst/>
+          </a:prstGeom>
+        </p:spPr>
+      </p:pic>
     </p:spTree>
   </p:cSld>
   <p:clrMapOvr>
@@ -3262,7 +3435,7 @@
         <p:spPr>
           <a:xfrm>
             <a:off x="523240" y="176530"/>
-            <a:ext cx="4721225" cy="521970"/>
+            <a:ext cx="5353050" cy="521970"/>
           </a:xfrm>
           <a:prstGeom prst="rect">
             <a:avLst/>
@@ -3276,7 +3449,7 @@
           <a:p>
             <a:r>
               <a:rPr lang="en-US" sz="2800" b="1"/>
-              <a:t>Seismic Gradiometry - Benefits</a:t>
+              <a:t>Seismic Gradiometry - Introduction</a:t>
             </a:r>
             <a:endParaRPr lang="en-US" sz="2800" b="1"/>
           </a:p>
@@ -3291,7 +3464,7 @@
         <p:spPr>
           <a:xfrm>
             <a:off x="621665" y="908685"/>
-            <a:ext cx="8646160" cy="2861310"/>
+            <a:ext cx="8646160" cy="4523105"/>
           </a:xfrm>
           <a:prstGeom prst="rect">
             <a:avLst/>
@@ -3308,62 +3481,121 @@
               <a:buChar char="•"/>
             </a:pPr>
             <a:r>
+              <a:rPr lang="en-US"/>
+              <a:t>New technique for treating a large array data to reconstruct and to characterize a seismic wavefield </a:t>
+            </a:r>
+            <a:r>
+              <a:rPr lang="en-US"/>
+              <a:t>observed</a:t>
+            </a:r>
+            <a:endParaRPr lang="en-US"/>
+          </a:p>
+          <a:p>
+            <a:pPr marL="285750" indent="-285750">
+              <a:buFont typeface="Arial" panose="020B0604020202020204" pitchFamily="34" charset="0"/>
+              <a:buChar char="•"/>
+            </a:pPr>
+            <a:r>
+              <a:rPr lang="en-US"/>
+              <a:t>Original concept by Langston (2007a), to measure the spatial gradient</a:t>
+            </a:r>
+            <a:r>
+              <a:rPr lang="en-US" b="1"/>
+              <a:t> </a:t>
+            </a:r>
+            <a:r>
+              <a:rPr lang="en-US"/>
+              <a:t>of seismic waves observed by dense array. He showed that slowness could be directly estimated.</a:t>
+            </a:r>
+            <a:endParaRPr lang="en-US"/>
+          </a:p>
+          <a:p>
+            <a:pPr marL="285750" indent="-285750">
+              <a:buFont typeface="Arial" panose="020B0604020202020204" pitchFamily="34" charset="0"/>
+              <a:buChar char="•"/>
+            </a:pPr>
+            <a:r>
               <a:rPr lang="en-US">
                 <a:sym typeface="+mn-ea"/>
               </a:rPr>
-              <a:t>SG has the advantage that it estimates slowness as a spatially varying value, whereas other array methods ie. semblance method (Neidell &amp; Taner, 1971) which assume a homogeneous plane-wave incidence and utilize phase differences to estimate slowness</a:t>
-            </a:r>
-            <a:endParaRPr lang="en-US"/>
-          </a:p>
-          <a:p>
-            <a:pPr marL="285750" indent="-285750">
-              <a:buFont typeface="Arial" panose="020B0604020202020204" pitchFamily="34" charset="0"/>
-              <a:buChar char="•"/>
-            </a:pPr>
-            <a:r>
-              <a:rPr lang="en-US">
-                <a:sym typeface="+mn-ea"/>
-              </a:rPr>
-              <a:t>SG models both phase and amplitude of the observed wavefield</a:t>
-            </a:r>
-            <a:endParaRPr lang="en-US"/>
-          </a:p>
-          <a:p>
-            <a:pPr marL="285750" indent="-285750">
-              <a:buFont typeface="Arial" panose="020B0604020202020204" pitchFamily="34" charset="0"/>
-              <a:buChar char="•"/>
-            </a:pPr>
-            <a:r>
-              <a:rPr lang="en-US">
-                <a:sym typeface="+mn-ea"/>
-              </a:rPr>
-              <a:t>Possibility to separate non-plane wave characteristics, ie. the radiation pattern and geometrical spreading</a:t>
-            </a:r>
-            <a:endParaRPr lang="en-US"/>
-          </a:p>
-          <a:p>
-            <a:pPr marL="285750" indent="-285750">
-              <a:buFont typeface="Arial" panose="020B0604020202020204" pitchFamily="34" charset="0"/>
-              <a:buChar char="•"/>
-            </a:pPr>
-            <a:r>
-              <a:rPr lang="en-US">
-                <a:sym typeface="+mn-ea"/>
-              </a:rPr>
-              <a:t>SG is a tool for reconstructing a spatially continuous seismic wavefield</a:t>
-            </a:r>
-            <a:endParaRPr lang="en-US"/>
-          </a:p>
-          <a:p>
-            <a:pPr marL="285750" indent="-285750">
-              <a:buFont typeface="Arial" panose="020B0604020202020204" pitchFamily="34" charset="0"/>
-              <a:buChar char="•"/>
-            </a:pPr>
-            <a:r>
-              <a:rPr lang="en-US">
-                <a:sym typeface="+mn-ea"/>
-              </a:rPr>
-              <a:t>Divergence (div) and Rotation (rot) of 3C seismic wavefield can be estimated by SG and used to characterize seismic wave propagation features</a:t>
+              <a:t>Igel (2005) proposed a similar approach with rotational seismometers.</a:t>
+            </a:r>
+            <a:endParaRPr lang="en-US"/>
+          </a:p>
+          <a:p>
+            <a:pPr marL="285750" indent="-285750">
+              <a:buFont typeface="Arial" panose="020B0604020202020204" pitchFamily="34" charset="0"/>
+              <a:buChar char="•"/>
+            </a:pPr>
+            <a:r>
+              <a:rPr lang="en-US"/>
+              <a:t>Langston (2007b) SG applied to 2D problem</a:t>
+            </a:r>
+            <a:endParaRPr lang="en-US"/>
+          </a:p>
+          <a:p>
+            <a:pPr marL="285750" indent="-285750">
+              <a:buFont typeface="Arial" panose="020B0604020202020204" pitchFamily="34" charset="0"/>
+              <a:buChar char="•"/>
+            </a:pPr>
+            <a:r>
+              <a:rPr lang="en-US"/>
+              <a:t>Langston (2007c) improved its stability in time domain</a:t>
+            </a:r>
+            <a:endParaRPr lang="en-US"/>
+          </a:p>
+          <a:p>
+            <a:pPr marL="285750" indent="-285750">
+              <a:buFont typeface="Arial" panose="020B0604020202020204" pitchFamily="34" charset="0"/>
+              <a:buChar char="•"/>
+            </a:pPr>
+            <a:r>
+              <a:rPr lang="en-US"/>
+              <a:t>Langston &amp; Liang (2008) SG applied to polarized waves</a:t>
+            </a:r>
+            <a:endParaRPr lang="en-US"/>
+          </a:p>
+          <a:p>
+            <a:pPr marL="285750" indent="-285750">
+              <a:buFont typeface="Arial" panose="020B0604020202020204" pitchFamily="34" charset="0"/>
+              <a:buChar char="•"/>
+            </a:pPr>
+            <a:r>
+              <a:rPr lang="en-US"/>
+              <a:t>Liang &amp; Langston (2009) estimated Rayleigh waves with grid locations collocated with seismic stations (limited to the station location)</a:t>
+            </a:r>
+            <a:endParaRPr lang="en-US"/>
+          </a:p>
+          <a:p>
+            <a:pPr marL="285750" indent="-285750">
+              <a:buFont typeface="Arial" panose="020B0604020202020204" pitchFamily="34" charset="0"/>
+              <a:buChar char="•"/>
+            </a:pPr>
+            <a:r>
+              <a:rPr lang="en-US"/>
+              <a:t>Spudich (1995) performed a similar series expansion to estimate surface strain and stress tensors recorded by dense array</a:t>
+            </a:r>
+            <a:endParaRPr lang="en-US"/>
+          </a:p>
+          <a:p>
+            <a:pPr marL="285750" indent="-285750">
+              <a:buFont typeface="Arial" panose="020B0604020202020204" pitchFamily="34" charset="0"/>
+              <a:buChar char="•"/>
+            </a:pPr>
+            <a:r>
+              <a:rPr lang="en-US"/>
+              <a:t>Liu &amp; Holt (2015)</a:t>
+            </a:r>
+            <a:endParaRPr lang="en-US"/>
+          </a:p>
+          <a:p>
+            <a:pPr marL="285750" indent="-285750">
+              <a:buFont typeface="Arial" panose="020B0604020202020204" pitchFamily="34" charset="0"/>
+              <a:buChar char="•"/>
+            </a:pPr>
+            <a:r>
+              <a:rPr lang="en-US"/>
+              <a:t>Maeda (2016) used SG to reconstruct the seismic wavefield as a continuous 2D field irrespective of the station location</a:t>
             </a:r>
             <a:endParaRPr lang="en-US"/>
           </a:p>
@@ -3385,6 +3617,147 @@
 </file>
 
 <file path=ppt/slides/slide4.xml><?xml version="1.0" encoding="utf-8"?>
+<p:sld xmlns:a="http://schemas.openxmlformats.org/drawingml/2006/main" xmlns:r="http://schemas.openxmlformats.org/officeDocument/2006/relationships" xmlns:p="http://schemas.openxmlformats.org/presentationml/2006/main">
+  <p:cSld>
+    <p:spTree>
+      <p:nvGrpSpPr>
+        <p:cNvPr id="1" name=""/>
+        <p:cNvGrpSpPr/>
+        <p:nvPr/>
+      </p:nvGrpSpPr>
+      <p:grpSpPr/>
+      <p:sp>
+        <p:nvSpPr>
+          <p:cNvPr id="4" name="Text Box 3"/>
+          <p:cNvSpPr txBox="1"/>
+          <p:nvPr/>
+        </p:nvSpPr>
+        <p:spPr>
+          <a:xfrm>
+            <a:off x="523240" y="176530"/>
+            <a:ext cx="4721225" cy="521970"/>
+          </a:xfrm>
+          <a:prstGeom prst="rect">
+            <a:avLst/>
+          </a:prstGeom>
+          <a:noFill/>
+        </p:spPr>
+        <p:txBody>
+          <a:bodyPr wrap="none" rtlCol="0">
+            <a:spAutoFit/>
+          </a:bodyPr>
+          <a:p>
+            <a:r>
+              <a:rPr lang="en-US" sz="2800" b="1"/>
+              <a:t>Seismic Gradiometry - Benefits</a:t>
+            </a:r>
+            <a:endParaRPr lang="en-US" sz="2800" b="1"/>
+          </a:p>
+        </p:txBody>
+      </p:sp>
+      <p:sp>
+        <p:nvSpPr>
+          <p:cNvPr id="5" name="Text Box 4"/>
+          <p:cNvSpPr txBox="1"/>
+          <p:nvPr/>
+        </p:nvSpPr>
+        <p:spPr>
+          <a:xfrm>
+            <a:off x="621665" y="908685"/>
+            <a:ext cx="8646160" cy="2861310"/>
+          </a:xfrm>
+          <a:prstGeom prst="rect">
+            <a:avLst/>
+          </a:prstGeom>
+          <a:noFill/>
+        </p:spPr>
+        <p:txBody>
+          <a:bodyPr wrap="square" rtlCol="0">
+            <a:spAutoFit/>
+          </a:bodyPr>
+          <a:p>
+            <a:pPr marL="285750" indent="-285750">
+              <a:buFont typeface="Arial" panose="020B0604020202020204" pitchFamily="34" charset="0"/>
+              <a:buChar char="•"/>
+            </a:pPr>
+            <a:r>
+              <a:rPr lang="en-US">
+                <a:sym typeface="+mn-ea"/>
+              </a:rPr>
+              <a:t>SG has the advantage that it estimates slowness as a spatially varying value, whereas other array methods ie. semblance method (Neidell &amp; Taner, 1971) which assume a homogeneous plane-wave incidence and utilize phase differences to estimate slowness</a:t>
+            </a:r>
+            <a:endParaRPr lang="en-US"/>
+          </a:p>
+          <a:p>
+            <a:pPr marL="285750" indent="-285750">
+              <a:buFont typeface="Arial" panose="020B0604020202020204" pitchFamily="34" charset="0"/>
+              <a:buChar char="•"/>
+            </a:pPr>
+            <a:r>
+              <a:rPr lang="en-US">
+                <a:sym typeface="+mn-ea"/>
+              </a:rPr>
+              <a:t>SG models both phase and amplitude of the observed wavefield</a:t>
+            </a:r>
+            <a:endParaRPr lang="en-US"/>
+          </a:p>
+          <a:p>
+            <a:pPr marL="285750" indent="-285750">
+              <a:buFont typeface="Arial" panose="020B0604020202020204" pitchFamily="34" charset="0"/>
+              <a:buChar char="•"/>
+            </a:pPr>
+            <a:r>
+              <a:rPr lang="en-US">
+                <a:sym typeface="+mn-ea"/>
+              </a:rPr>
+              <a:t>Possibility to separate non-plane wave characteristics, ie. the radiation pattern and geometrical spreading</a:t>
+            </a:r>
+            <a:endParaRPr lang="en-US"/>
+          </a:p>
+          <a:p>
+            <a:pPr marL="285750" indent="-285750">
+              <a:buFont typeface="Arial" panose="020B0604020202020204" pitchFamily="34" charset="0"/>
+              <a:buChar char="•"/>
+            </a:pPr>
+            <a:r>
+              <a:rPr lang="en-US">
+                <a:sym typeface="+mn-ea"/>
+              </a:rPr>
+              <a:t>SG is a tool for reconstructing a spatially continuous seismic wavefield</a:t>
+            </a:r>
+            <a:endParaRPr lang="en-US"/>
+          </a:p>
+          <a:p>
+            <a:pPr marL="285750" indent="-285750">
+              <a:buFont typeface="Arial" panose="020B0604020202020204" pitchFamily="34" charset="0"/>
+              <a:buChar char="•"/>
+            </a:pPr>
+            <a:r>
+              <a:rPr lang="en-US">
+                <a:sym typeface="+mn-ea"/>
+              </a:rPr>
+              <a:t>Divergence (div) and Rotation (rot) of 3C seismic wavefield can be estimated by SG and used to characterize seismic wave propagation features</a:t>
+            </a:r>
+            <a:endParaRPr lang="en-US"/>
+          </a:p>
+          <a:p>
+            <a:pPr marL="285750" indent="-285750">
+              <a:buFont typeface="Arial" panose="020B0604020202020204" pitchFamily="34" charset="0"/>
+              <a:buChar char="•"/>
+            </a:pPr>
+            <a:endParaRPr lang="en-US"/>
+          </a:p>
+        </p:txBody>
+      </p:sp>
+    </p:spTree>
+  </p:cSld>
+  <p:clrMapOvr>
+    <a:masterClrMapping/>
+  </p:clrMapOvr>
+</p:sld>
+</file>
+
+<file path=ppt/slides/slide5.xml><?xml version="1.0" encoding="utf-8"?>
 <p:sld xmlns:a="http://schemas.openxmlformats.org/drawingml/2006/main" xmlns:r="http://schemas.openxmlformats.org/officeDocument/2006/relationships" xmlns:p="http://schemas.openxmlformats.org/presentationml/2006/main">
   <p:cSld>
     <p:spTree>
@@ -4588,7 +4961,7 @@
 </p:sld>
 </file>
 
-<file path=ppt/slides/slide5.xml><?xml version="1.0" encoding="utf-8"?>
+<file path=ppt/slides/slide6.xml><?xml version="1.0" encoding="utf-8"?>
 <p:sld xmlns:a="http://schemas.openxmlformats.org/drawingml/2006/main" xmlns:r="http://schemas.openxmlformats.org/officeDocument/2006/relationships" xmlns:p="http://schemas.openxmlformats.org/presentationml/2006/main">
   <p:cSld>
     <p:spTree>
@@ -4885,6 +5258,7 @@
               <a:avLst/>
             </a:prstGeom>
             <a:noFill/>
+            <a:ln w="25400"/>
           </p:spPr>
           <p:style>
             <a:lnRef idx="2">
@@ -4923,6 +5297,7 @@
               <a:avLst/>
             </a:prstGeom>
             <a:noFill/>
+            <a:ln w="25400"/>
           </p:spPr>
           <p:style>
             <a:lnRef idx="2">
@@ -5219,7 +5594,7 @@
 </p:sld>
 </file>
 
-<file path=ppt/slides/slide6.xml><?xml version="1.0" encoding="utf-8"?>
+<file path=ppt/slides/slide7.xml><?xml version="1.0" encoding="utf-8"?>
 <p:sld xmlns:a="http://schemas.openxmlformats.org/drawingml/2006/main" xmlns:r="http://schemas.openxmlformats.org/officeDocument/2006/relationships" xmlns:p="http://schemas.openxmlformats.org/presentationml/2006/main">
   <p:cSld>
     <p:spTree>
@@ -5459,98 +5834,6 @@
 </p:sld>
 </file>
 
-<file path=ppt/slides/slide7.xml><?xml version="1.0" encoding="utf-8"?>
-<p:sld xmlns:a="http://schemas.openxmlformats.org/drawingml/2006/main" xmlns:r="http://schemas.openxmlformats.org/officeDocument/2006/relationships" xmlns:p="http://schemas.openxmlformats.org/presentationml/2006/main">
-  <p:cSld>
-    <p:spTree>
-      <p:nvGrpSpPr>
-        <p:cNvPr id="1" name=""/>
-        <p:cNvGrpSpPr/>
-        <p:nvPr/>
-      </p:nvGrpSpPr>
-      <p:grpSpPr/>
-      <p:sp>
-        <p:nvSpPr>
-          <p:cNvPr id="4" name="Text Box 3"/>
-          <p:cNvSpPr txBox="1"/>
-          <p:nvPr/>
-        </p:nvSpPr>
-        <p:spPr>
-          <a:xfrm>
-            <a:off x="523240" y="176530"/>
-            <a:ext cx="5749290" cy="521970"/>
-          </a:xfrm>
-          <a:prstGeom prst="rect">
-            <a:avLst/>
-          </a:prstGeom>
-          <a:noFill/>
-        </p:spPr>
-        <p:txBody>
-          <a:bodyPr wrap="none" rtlCol="0">
-            <a:spAutoFit/>
-          </a:bodyPr>
-          <a:p>
-            <a:r>
-              <a:rPr lang="en-US" sz="2800" b="1"/>
-              <a:t>Love &amp; Rayleigh Wave Decomposition</a:t>
-            </a:r>
-            <a:endParaRPr lang="en-US" sz="2800" b="1"/>
-          </a:p>
-        </p:txBody>
-      </p:sp>
-      <p:sp>
-        <p:nvSpPr>
-          <p:cNvPr id="5" name="Text Box 4"/>
-          <p:cNvSpPr txBox="1"/>
-          <p:nvPr/>
-        </p:nvSpPr>
-        <p:spPr>
-          <a:xfrm>
-            <a:off x="621665" y="908685"/>
-            <a:ext cx="8646160" cy="922020"/>
-          </a:xfrm>
-          <a:prstGeom prst="rect">
-            <a:avLst/>
-          </a:prstGeom>
-          <a:noFill/>
-        </p:spPr>
-        <p:txBody>
-          <a:bodyPr wrap="square" rtlCol="0">
-            <a:spAutoFit/>
-          </a:bodyPr>
-          <a:p>
-            <a:pPr marL="285750" indent="-285750">
-              <a:buFont typeface="Arial" panose="020B0604020202020204" pitchFamily="34" charset="0"/>
-              <a:buChar char="•"/>
-            </a:pPr>
-            <a:endParaRPr lang="en-US">
-              <a:sym typeface="+mn-ea"/>
-            </a:endParaRPr>
-          </a:p>
-          <a:p>
-            <a:pPr marL="285750" indent="-285750">
-              <a:buFont typeface="Arial" panose="020B0604020202020204" pitchFamily="34" charset="0"/>
-              <a:buChar char="•"/>
-            </a:pPr>
-            <a:endParaRPr lang="en-US"/>
-          </a:p>
-          <a:p>
-            <a:pPr marL="285750" indent="-285750">
-              <a:buFont typeface="Arial" panose="020B0604020202020204" pitchFamily="34" charset="0"/>
-              <a:buChar char="•"/>
-            </a:pPr>
-            <a:endParaRPr lang="en-US"/>
-          </a:p>
-        </p:txBody>
-      </p:sp>
-    </p:spTree>
-  </p:cSld>
-  <p:clrMapOvr>
-    <a:masterClrMapping/>
-  </p:clrMapOvr>
-</p:sld>
-</file>
-
 <file path=ppt/slides/slide8.xml><?xml version="1.0" encoding="utf-8"?>
 <p:sld xmlns:a="http://schemas.openxmlformats.org/drawingml/2006/main" xmlns:r="http://schemas.openxmlformats.org/officeDocument/2006/relationships" xmlns:p="http://schemas.openxmlformats.org/presentationml/2006/main">
   <p:cSld>
@@ -5570,7 +5853,7 @@
         <p:spPr>
           <a:xfrm>
             <a:off x="523240" y="176530"/>
-            <a:ext cx="3202940" cy="521970"/>
+            <a:ext cx="5749290" cy="521970"/>
           </a:xfrm>
           <a:prstGeom prst="rect">
             <a:avLst/>
@@ -5584,7 +5867,7 @@
           <a:p>
             <a:r>
               <a:rPr lang="en-US" sz="2800" b="1"/>
-              <a:t>Slowness Estimation</a:t>
+              <a:t>Love &amp; Rayleigh Wave Decomposition</a:t>
             </a:r>
             <a:endParaRPr lang="en-US" sz="2800" b="1"/>
           </a:p>
@@ -5662,7 +5945,7 @@
         <p:spPr>
           <a:xfrm>
             <a:off x="523240" y="176530"/>
-            <a:ext cx="7239635" cy="521970"/>
+            <a:ext cx="3202940" cy="521970"/>
           </a:xfrm>
           <a:prstGeom prst="rect">
             <a:avLst/>
@@ -5676,7 +5959,7 @@
           <a:p>
             <a:r>
               <a:rPr lang="en-US" sz="2800" b="1"/>
-              <a:t>Proposed SG Notebook Project for Skience 2018</a:t>
+              <a:t>Slowness Estimation</a:t>
             </a:r>
             <a:endParaRPr lang="en-US" sz="2800" b="1"/>
           </a:p>
@@ -5691,7 +5974,7 @@
         <p:spPr>
           <a:xfrm>
             <a:off x="621665" y="908685"/>
-            <a:ext cx="8646160" cy="2030095"/>
+            <a:ext cx="8646160" cy="922020"/>
           </a:xfrm>
           <a:prstGeom prst="rect">
             <a:avLst/>
@@ -5707,88 +5990,22 @@
               <a:buFont typeface="Arial" panose="020B0604020202020204" pitchFamily="34" charset="0"/>
               <a:buChar char="•"/>
             </a:pPr>
-            <a:r>
-              <a:rPr lang="en-US"/>
-              <a:t>Simple 2D horizontal space</a:t>
-            </a:r>
-            <a:endParaRPr lang="en-US"/>
-          </a:p>
-          <a:p>
-            <a:pPr marL="285750" indent="-285750">
-              <a:buFont typeface="Arial" panose="020B0604020202020204" pitchFamily="34" charset="0"/>
-              <a:buChar char="•"/>
-            </a:pPr>
-            <a:r>
-              <a:rPr lang="en-US"/>
-              <a:t>Rock properties (?)</a:t>
-            </a:r>
-            <a:endParaRPr lang="en-US"/>
-          </a:p>
-          <a:p>
-            <a:pPr marL="285750" indent="-285750">
-              <a:buFont typeface="Arial" panose="020B0604020202020204" pitchFamily="34" charset="0"/>
-              <a:buChar char="•"/>
-            </a:pPr>
-            <a:r>
-              <a:rPr lang="en-US"/>
-              <a:t>SG analytical solution</a:t>
-            </a:r>
-            <a:endParaRPr lang="en-US"/>
-          </a:p>
-          <a:p>
-            <a:pPr marL="285750" indent="-285750">
-              <a:buFont typeface="Arial" panose="020B0604020202020204" pitchFamily="34" charset="0"/>
-              <a:buChar char="•"/>
-            </a:pPr>
-            <a:r>
-              <a:rPr lang="en-US"/>
-              <a:t>FDM + PML (or else like SPECFEM2D, SALVUS, SOFI2D, OpenSWPC, etc.)</a:t>
-            </a:r>
-            <a:endParaRPr lang="en-US"/>
-          </a:p>
-          <a:p>
-            <a:pPr marL="285750" indent="-285750">
-              <a:buFont typeface="Arial" panose="020B0604020202020204" pitchFamily="34" charset="0"/>
-              <a:buChar char="•"/>
-            </a:pPr>
-            <a:r>
-              <a:rPr lang="en-US"/>
-              <a:t>Moment tensor (simulate an earthquake, P-SV or SH, Rayleigh wave), f = 10-15 Hz</a:t>
-            </a:r>
-            <a:endParaRPr lang="en-US"/>
-          </a:p>
-          <a:p>
-            <a:pPr marL="285750" indent="-285750">
-              <a:buFont typeface="Arial" panose="020B0604020202020204" pitchFamily="34" charset="0"/>
-              <a:buChar char="•"/>
-            </a:pPr>
-            <a:r>
-              <a:rPr lang="en-US"/>
-              <a:t>3C or 6C (?), around 20-50 receivers, random spreading with </a:t>
-            </a:r>
-            <a:r>
-              <a:rPr lang="en-US">
-                <a:sym typeface="+mn-ea"/>
-              </a:rPr>
-              <a:t>distance ~</a:t>
-            </a:r>
-            <a:r>
-              <a:rPr lang="en-US"/>
-              <a:t>20-30 m</a:t>
-            </a:r>
-            <a:endParaRPr lang="en-US"/>
-          </a:p>
-          <a:p>
-            <a:pPr marL="285750" indent="-285750">
-              <a:buFont typeface="Arial" panose="020B0604020202020204" pitchFamily="34" charset="0"/>
-              <a:buChar char="•"/>
-            </a:pPr>
-            <a:r>
-              <a:rPr lang="en-US">
-                <a:sym typeface="+mn-ea"/>
-              </a:rPr>
-              <a:t>Compare numerical solution (FDM + PML) with seismic gradiometry (SG) solution</a:t>
-            </a:r>
+            <a:endParaRPr lang="en-US">
+              <a:sym typeface="+mn-ea"/>
+            </a:endParaRPr>
+          </a:p>
+          <a:p>
+            <a:pPr marL="285750" indent="-285750">
+              <a:buFont typeface="Arial" panose="020B0604020202020204" pitchFamily="34" charset="0"/>
+              <a:buChar char="•"/>
+            </a:pPr>
+            <a:endParaRPr lang="en-US"/>
+          </a:p>
+          <a:p>
+            <a:pPr marL="285750" indent="-285750">
+              <a:buFont typeface="Arial" panose="020B0604020202020204" pitchFamily="34" charset="0"/>
+              <a:buChar char="•"/>
+            </a:pPr>
             <a:endParaRPr lang="en-US"/>
           </a:p>
         </p:txBody>
